--- a/haddock/figures/Figures.pptx
+++ b/haddock/figures/Figures.pptx
@@ -243,7 +243,7 @@
           <a:p>
             <a:fld id="{91F57185-A8C6-4624-BFD6-57EEC9B660A1}" type="datetimeFigureOut">
               <a:rPr lang="en-US" smtClean="0"/>
-              <a:t>9/27/2023</a:t>
+              <a:t>10/2/2023</a:t>
             </a:fld>
             <a:endParaRPr lang="en-US"/>
           </a:p>
@@ -413,7 +413,7 @@
           <a:p>
             <a:fld id="{91F57185-A8C6-4624-BFD6-57EEC9B660A1}" type="datetimeFigureOut">
               <a:rPr lang="en-US" smtClean="0"/>
-              <a:t>9/27/2023</a:t>
+              <a:t>10/2/2023</a:t>
             </a:fld>
             <a:endParaRPr lang="en-US"/>
           </a:p>
@@ -593,7 +593,7 @@
           <a:p>
             <a:fld id="{91F57185-A8C6-4624-BFD6-57EEC9B660A1}" type="datetimeFigureOut">
               <a:rPr lang="en-US" smtClean="0"/>
-              <a:t>9/27/2023</a:t>
+              <a:t>10/2/2023</a:t>
             </a:fld>
             <a:endParaRPr lang="en-US"/>
           </a:p>
@@ -763,7 +763,7 @@
           <a:p>
             <a:fld id="{91F57185-A8C6-4624-BFD6-57EEC9B660A1}" type="datetimeFigureOut">
               <a:rPr lang="en-US" smtClean="0"/>
-              <a:t>9/27/2023</a:t>
+              <a:t>10/2/2023</a:t>
             </a:fld>
             <a:endParaRPr lang="en-US"/>
           </a:p>
@@ -1007,7 +1007,7 @@
           <a:p>
             <a:fld id="{91F57185-A8C6-4624-BFD6-57EEC9B660A1}" type="datetimeFigureOut">
               <a:rPr lang="en-US" smtClean="0"/>
-              <a:t>9/27/2023</a:t>
+              <a:t>10/2/2023</a:t>
             </a:fld>
             <a:endParaRPr lang="en-US"/>
           </a:p>
@@ -1239,7 +1239,7 @@
           <a:p>
             <a:fld id="{91F57185-A8C6-4624-BFD6-57EEC9B660A1}" type="datetimeFigureOut">
               <a:rPr lang="en-US" smtClean="0"/>
-              <a:t>9/27/2023</a:t>
+              <a:t>10/2/2023</a:t>
             </a:fld>
             <a:endParaRPr lang="en-US"/>
           </a:p>
@@ -1606,7 +1606,7 @@
           <a:p>
             <a:fld id="{91F57185-A8C6-4624-BFD6-57EEC9B660A1}" type="datetimeFigureOut">
               <a:rPr lang="en-US" smtClean="0"/>
-              <a:t>9/27/2023</a:t>
+              <a:t>10/2/2023</a:t>
             </a:fld>
             <a:endParaRPr lang="en-US"/>
           </a:p>
@@ -1724,7 +1724,7 @@
           <a:p>
             <a:fld id="{91F57185-A8C6-4624-BFD6-57EEC9B660A1}" type="datetimeFigureOut">
               <a:rPr lang="en-US" smtClean="0"/>
-              <a:t>9/27/2023</a:t>
+              <a:t>10/2/2023</a:t>
             </a:fld>
             <a:endParaRPr lang="en-US"/>
           </a:p>
@@ -1819,7 +1819,7 @@
           <a:p>
             <a:fld id="{91F57185-A8C6-4624-BFD6-57EEC9B660A1}" type="datetimeFigureOut">
               <a:rPr lang="en-US" smtClean="0"/>
-              <a:t>9/27/2023</a:t>
+              <a:t>10/2/2023</a:t>
             </a:fld>
             <a:endParaRPr lang="en-US"/>
           </a:p>
@@ -2096,7 +2096,7 @@
           <a:p>
             <a:fld id="{91F57185-A8C6-4624-BFD6-57EEC9B660A1}" type="datetimeFigureOut">
               <a:rPr lang="en-US" smtClean="0"/>
-              <a:t>9/27/2023</a:t>
+              <a:t>10/2/2023</a:t>
             </a:fld>
             <a:endParaRPr lang="en-US"/>
           </a:p>
@@ -2353,7 +2353,7 @@
           <a:p>
             <a:fld id="{91F57185-A8C6-4624-BFD6-57EEC9B660A1}" type="datetimeFigureOut">
               <a:rPr lang="en-US" smtClean="0"/>
-              <a:t>9/27/2023</a:t>
+              <a:t>10/2/2023</a:t>
             </a:fld>
             <a:endParaRPr lang="en-US"/>
           </a:p>
@@ -2566,7 +2566,7 @@
           <a:p>
             <a:fld id="{91F57185-A8C6-4624-BFD6-57EEC9B660A1}" type="datetimeFigureOut">
               <a:rPr lang="en-US" smtClean="0"/>
-              <a:t>9/27/2023</a:t>
+              <a:t>10/2/2023</a:t>
             </a:fld>
             <a:endParaRPr lang="en-US"/>
           </a:p>
@@ -2986,7 +2986,7 @@
           <p:nvPr>
             <p:extLst>
               <p:ext uri="{D42A27DB-BD31-4B8C-83A1-F6EECF244321}">
-                <p14:modId xmlns:p14="http://schemas.microsoft.com/office/powerpoint/2010/main" val="648855339"/>
+                <p14:modId xmlns:p14="http://schemas.microsoft.com/office/powerpoint/2010/main" val="1972288108"/>
               </p:ext>
             </p:extLst>
           </p:nvPr>
@@ -3024,7 +3024,7 @@
                   </a:extLst>
                 </a:gridCol>
               </a:tblGrid>
-              <a:tr h="550510">
+              <a:tr h="360154">
                 <a:tc>
                   <a:txBody>
                     <a:bodyPr/>
@@ -3127,7 +3127,7 @@
                   </a:ext>
                 </a:extLst>
               </a:tr>
-              <a:tr h="1584648">
+              <a:tr h="1616374">
                 <a:tc>
                   <a:txBody>
                     <a:bodyPr/>
@@ -3263,7 +3263,7 @@
                   </a:ext>
                 </a:extLst>
               </a:tr>
-              <a:tr h="1584648">
+              <a:tr h="1616374">
                 <a:tc>
                   <a:txBody>
                     <a:bodyPr/>
@@ -3437,7 +3437,7 @@
                   </a:ext>
                 </a:extLst>
               </a:tr>
-              <a:tr h="1584648">
+              <a:tr h="1616374">
                 <a:tc>
                   <a:txBody>
                     <a:bodyPr/>
@@ -3600,7 +3600,7 @@
                   </a:ext>
                 </a:extLst>
               </a:tr>
-              <a:tr h="1584648">
+              <a:tr h="1616374">
                 <a:tc>
                   <a:txBody>
                     <a:bodyPr/>
@@ -3774,7 +3774,7 @@
                   </a:ext>
                 </a:extLst>
               </a:tr>
-              <a:tr h="1584648">
+              <a:tr h="1616374">
                 <a:tc>
                   <a:txBody>
                     <a:bodyPr/>
@@ -3937,7 +3937,7 @@
                   </a:ext>
                 </a:extLst>
               </a:tr>
-              <a:tr h="1584648">
+              <a:tr h="1616374">
                 <a:tc>
                   <a:txBody>
                     <a:bodyPr/>
@@ -4132,7 +4132,7 @@
         </p:blipFill>
         <p:spPr>
           <a:xfrm>
-            <a:off x="1287862" y="6704577"/>
+            <a:off x="1287862" y="6668361"/>
             <a:ext cx="2288263" cy="2288263"/>
           </a:xfrm>
           <a:prstGeom prst="rect">
@@ -4168,7 +4168,7 @@
         </p:blipFill>
         <p:spPr>
           <a:xfrm>
-            <a:off x="1292388" y="1604726"/>
+            <a:off x="1287862" y="1501506"/>
             <a:ext cx="2286000" cy="2286000"/>
           </a:xfrm>
           <a:prstGeom prst="rect">
@@ -4204,7 +4204,7 @@
         </p:blipFill>
         <p:spPr>
           <a:xfrm>
-            <a:off x="1292388" y="3458424"/>
+            <a:off x="1285599" y="3353019"/>
             <a:ext cx="2286000" cy="2286000"/>
           </a:xfrm>
           <a:prstGeom prst="rect">
@@ -4226,7 +4226,7 @@
           </p:cNvPicPr>
           <p:nvPr/>
         </p:nvPicPr>
-        <p:blipFill>
+        <p:blipFill rotWithShape="1">
           <a:blip r:embed="rId5">
             <a:extLst>
               <a:ext uri="{28A0092B-C50C-407E-A947-70E740481C1C}">
@@ -4234,14 +4234,13 @@
               </a:ext>
             </a:extLst>
           </a:blip>
-          <a:stretch>
-            <a:fillRect/>
-          </a:stretch>
+          <a:srcRect b="15071"/>
+          <a:stretch/>
         </p:blipFill>
         <p:spPr>
           <a:xfrm>
             <a:off x="1290125" y="8116921"/>
-            <a:ext cx="2286000" cy="2286000"/>
+            <a:ext cx="2286000" cy="1941479"/>
           </a:xfrm>
           <a:prstGeom prst="rect">
             <a:avLst/>
@@ -4276,7 +4275,7 @@
         </p:blipFill>
         <p:spPr>
           <a:xfrm>
-            <a:off x="1290125" y="129011"/>
+            <a:off x="1290125" y="-33948"/>
             <a:ext cx="2286000" cy="2286000"/>
           </a:xfrm>
           <a:prstGeom prst="rect">
@@ -4312,8 +4311,223 @@
         </p:blipFill>
         <p:spPr>
           <a:xfrm>
-            <a:off x="1290125" y="4870768"/>
+            <a:off x="1290125" y="4789290"/>
             <a:ext cx="2286000" cy="2286000"/>
+          </a:xfrm>
+          <a:prstGeom prst="rect">
+            <a:avLst/>
+          </a:prstGeom>
+        </p:spPr>
+      </p:pic>
+      <p:pic>
+        <p:nvPicPr>
+          <p:cNvPr id="3" name="Picture 2" descr="A close-up of a structure&#10;&#10;Description automatically generated">
+            <a:extLst>
+              <a:ext uri="{FF2B5EF4-FFF2-40B4-BE49-F238E27FC236}">
+                <a16:creationId xmlns:a16="http://schemas.microsoft.com/office/drawing/2014/main" id="{3EC9AD59-FC7F-59BE-5D91-8A2DE722DD89}"/>
+              </a:ext>
+            </a:extLst>
+          </p:cNvPr>
+          <p:cNvPicPr>
+            <a:picLocks noChangeAspect="1"/>
+          </p:cNvPicPr>
+          <p:nvPr/>
+        </p:nvPicPr>
+        <p:blipFill>
+          <a:blip r:embed="rId8">
+            <a:extLst>
+              <a:ext uri="{28A0092B-C50C-407E-A947-70E740481C1C}">
+                <a14:useLocalDpi xmlns:a14="http://schemas.microsoft.com/office/drawing/2010/main" val="0"/>
+              </a:ext>
+            </a:extLst>
+          </a:blip>
+          <a:stretch>
+            <a:fillRect/>
+          </a:stretch>
+        </p:blipFill>
+        <p:spPr>
+          <a:xfrm>
+            <a:off x="4863987" y="6412118"/>
+            <a:ext cx="2286000" cy="2286000"/>
+          </a:xfrm>
+          <a:prstGeom prst="rect">
+            <a:avLst/>
+          </a:prstGeom>
+        </p:spPr>
+      </p:pic>
+      <p:pic>
+        <p:nvPicPr>
+          <p:cNvPr id="6" name="Picture 5" descr="A colorful spirals on a black background&#10;&#10;Description automatically generated">
+            <a:extLst>
+              <a:ext uri="{FF2B5EF4-FFF2-40B4-BE49-F238E27FC236}">
+                <a16:creationId xmlns:a16="http://schemas.microsoft.com/office/drawing/2014/main" id="{223248B2-A7D8-B72D-D669-ED7EB23DBA6D}"/>
+              </a:ext>
+            </a:extLst>
+          </p:cNvPr>
+          <p:cNvPicPr>
+            <a:picLocks noChangeAspect="1"/>
+          </p:cNvPicPr>
+          <p:nvPr/>
+        </p:nvPicPr>
+        <p:blipFill>
+          <a:blip r:embed="rId9">
+            <a:extLst>
+              <a:ext uri="{28A0092B-C50C-407E-A947-70E740481C1C}">
+                <a14:useLocalDpi xmlns:a14="http://schemas.microsoft.com/office/drawing/2010/main" val="0"/>
+              </a:ext>
+            </a:extLst>
+          </a:blip>
+          <a:stretch>
+            <a:fillRect/>
+          </a:stretch>
+        </p:blipFill>
+        <p:spPr>
+          <a:xfrm>
+            <a:off x="3711936" y="1120902"/>
+            <a:ext cx="3026121" cy="3026121"/>
+          </a:xfrm>
+          <a:prstGeom prst="rect">
+            <a:avLst/>
+          </a:prstGeom>
+        </p:spPr>
+      </p:pic>
+      <p:pic>
+        <p:nvPicPr>
+          <p:cNvPr id="9" name="Picture 8" descr="A structure of a protein&#10;&#10;Description automatically generated with medium confidence">
+            <a:extLst>
+              <a:ext uri="{FF2B5EF4-FFF2-40B4-BE49-F238E27FC236}">
+                <a16:creationId xmlns:a16="http://schemas.microsoft.com/office/drawing/2014/main" id="{3D413C5D-B5DA-BF2E-99B8-29EC66DDC97F}"/>
+              </a:ext>
+            </a:extLst>
+          </p:cNvPr>
+          <p:cNvPicPr>
+            <a:picLocks noChangeAspect="1"/>
+          </p:cNvPicPr>
+          <p:nvPr/>
+        </p:nvPicPr>
+        <p:blipFill>
+          <a:blip r:embed="rId10">
+            <a:extLst>
+              <a:ext uri="{28A0092B-C50C-407E-A947-70E740481C1C}">
+                <a14:useLocalDpi xmlns:a14="http://schemas.microsoft.com/office/drawing/2010/main" val="0"/>
+              </a:ext>
+            </a:extLst>
+          </a:blip>
+          <a:stretch>
+            <a:fillRect/>
+          </a:stretch>
+        </p:blipFill>
+        <p:spPr>
+          <a:xfrm>
+            <a:off x="4859461" y="3033443"/>
+            <a:ext cx="2286000" cy="2286000"/>
+          </a:xfrm>
+          <a:prstGeom prst="rect">
+            <a:avLst/>
+          </a:prstGeom>
+        </p:spPr>
+      </p:pic>
+      <p:pic>
+        <p:nvPicPr>
+          <p:cNvPr id="13" name="Picture 12" descr="A colorful spirals on a black background&#10;&#10;Description automatically generated">
+            <a:extLst>
+              <a:ext uri="{FF2B5EF4-FFF2-40B4-BE49-F238E27FC236}">
+                <a16:creationId xmlns:a16="http://schemas.microsoft.com/office/drawing/2014/main" id="{7A2AA3C1-8E23-33C0-CA4F-187978C5381C}"/>
+              </a:ext>
+            </a:extLst>
+          </p:cNvPr>
+          <p:cNvPicPr>
+            <a:picLocks noChangeAspect="1"/>
+          </p:cNvPicPr>
+          <p:nvPr/>
+        </p:nvPicPr>
+        <p:blipFill rotWithShape="1">
+          <a:blip r:embed="rId11">
+            <a:extLst>
+              <a:ext uri="{28A0092B-C50C-407E-A947-70E740481C1C}">
+                <a14:useLocalDpi xmlns:a14="http://schemas.microsoft.com/office/drawing/2010/main" val="0"/>
+              </a:ext>
+            </a:extLst>
+          </a:blip>
+          <a:srcRect b="23020"/>
+          <a:stretch/>
+        </p:blipFill>
+        <p:spPr>
+          <a:xfrm>
+            <a:off x="4863987" y="8271474"/>
+            <a:ext cx="2286000" cy="1759765"/>
+          </a:xfrm>
+          <a:prstGeom prst="rect">
+            <a:avLst/>
+          </a:prstGeom>
+        </p:spPr>
+      </p:pic>
+      <p:pic>
+        <p:nvPicPr>
+          <p:cNvPr id="17" name="Picture 16" descr="A structure of a protein&#10;&#10;Description automatically generated with medium confidence">
+            <a:extLst>
+              <a:ext uri="{FF2B5EF4-FFF2-40B4-BE49-F238E27FC236}">
+                <a16:creationId xmlns:a16="http://schemas.microsoft.com/office/drawing/2014/main" id="{10C9A3FB-FB11-7418-1E1E-9CBF4F531763}"/>
+              </a:ext>
+            </a:extLst>
+          </p:cNvPr>
+          <p:cNvPicPr>
+            <a:picLocks noChangeAspect="1"/>
+          </p:cNvPicPr>
+          <p:nvPr/>
+        </p:nvPicPr>
+        <p:blipFill>
+          <a:blip r:embed="rId12">
+            <a:extLst>
+              <a:ext uri="{28A0092B-C50C-407E-A947-70E740481C1C}">
+                <a14:useLocalDpi xmlns:a14="http://schemas.microsoft.com/office/drawing/2010/main" val="0"/>
+              </a:ext>
+            </a:extLst>
+          </a:blip>
+          <a:stretch>
+            <a:fillRect/>
+          </a:stretch>
+        </p:blipFill>
+        <p:spPr>
+          <a:xfrm>
+            <a:off x="4863987" y="-29420"/>
+            <a:ext cx="2286000" cy="2286000"/>
+          </a:xfrm>
+          <a:prstGeom prst="rect">
+            <a:avLst/>
+          </a:prstGeom>
+        </p:spPr>
+      </p:pic>
+      <p:pic>
+        <p:nvPicPr>
+          <p:cNvPr id="20" name="Picture 19" descr="A colorful ribbons on a black background&#10;&#10;Description automatically generated">
+            <a:extLst>
+              <a:ext uri="{FF2B5EF4-FFF2-40B4-BE49-F238E27FC236}">
+                <a16:creationId xmlns:a16="http://schemas.microsoft.com/office/drawing/2014/main" id="{23F5C730-6E5D-75EB-B74B-F7B849A2F7CC}"/>
+              </a:ext>
+            </a:extLst>
+          </p:cNvPr>
+          <p:cNvPicPr>
+            <a:picLocks noChangeAspect="1"/>
+          </p:cNvPicPr>
+          <p:nvPr/>
+        </p:nvPicPr>
+        <p:blipFill>
+          <a:blip r:embed="rId13">
+            <a:extLst>
+              <a:ext uri="{28A0092B-C50C-407E-A947-70E740481C1C}">
+                <a14:useLocalDpi xmlns:a14="http://schemas.microsoft.com/office/drawing/2010/main" val="0"/>
+              </a:ext>
+            </a:extLst>
+          </a:blip>
+          <a:stretch>
+            <a:fillRect/>
+          </a:stretch>
+        </p:blipFill>
+        <p:spPr>
+          <a:xfrm>
+            <a:off x="4863987" y="4729382"/>
+            <a:ext cx="2785069" cy="2785069"/>
           </a:xfrm>
           <a:prstGeom prst="rect">
             <a:avLst/>

--- a/haddock/figures/Figures.pptx
+++ b/haddock/figures/Figures.pptx
@@ -6,6 +6,7 @@
   </p:sldMasterIdLst>
   <p:sldIdLst>
     <p:sldId id="256" r:id="rId2"/>
+    <p:sldId id="257" r:id="rId3"/>
   </p:sldIdLst>
   <p:sldSz cx="7772400" cy="10058400"/>
   <p:notesSz cx="6858000" cy="9144000"/>
@@ -112,6 +113,12 @@
 </p:presentation>
 </file>
 
+<file path=ppt/authors.xml><?xml version="1.0" encoding="utf-8"?>
+<p188:authorLst xmlns:a="http://schemas.openxmlformats.org/drawingml/2006/main" xmlns:r="http://schemas.openxmlformats.org/officeDocument/2006/relationships" xmlns:p188="http://schemas.microsoft.com/office/powerpoint/2018/8/main">
+  <p188:author id="{FD429778-4F48-AB1A-8DF3-3BE8BF8D18D8}" name="Colby Ford" initials="CF" userId="S::colby@tuple.xyz::9b2f997e-ddcc-4945-ad79-261250ebf375" providerId="AD"/>
+</p188:authorLst>
+</file>
+
 <file path=ppt/slideLayouts/slideLayout1.xml><?xml version="1.0" encoding="utf-8"?>
 <p:sldLayout xmlns:a="http://schemas.openxmlformats.org/drawingml/2006/main" xmlns:r="http://schemas.openxmlformats.org/officeDocument/2006/relationships" xmlns:p="http://schemas.openxmlformats.org/presentationml/2006/main" type="title" preserve="1">
   <p:cSld name="Title Slide">
@@ -243,7 +250,7 @@
           <a:p>
             <a:fld id="{91F57185-A8C6-4624-BFD6-57EEC9B660A1}" type="datetimeFigureOut">
               <a:rPr lang="en-US" smtClean="0"/>
-              <a:t>10/2/2023</a:t>
+              <a:t>2/22/2024</a:t>
             </a:fld>
             <a:endParaRPr lang="en-US"/>
           </a:p>
@@ -413,7 +420,7 @@
           <a:p>
             <a:fld id="{91F57185-A8C6-4624-BFD6-57EEC9B660A1}" type="datetimeFigureOut">
               <a:rPr lang="en-US" smtClean="0"/>
-              <a:t>10/2/2023</a:t>
+              <a:t>2/22/2024</a:t>
             </a:fld>
             <a:endParaRPr lang="en-US"/>
           </a:p>
@@ -593,7 +600,7 @@
           <a:p>
             <a:fld id="{91F57185-A8C6-4624-BFD6-57EEC9B660A1}" type="datetimeFigureOut">
               <a:rPr lang="en-US" smtClean="0"/>
-              <a:t>10/2/2023</a:t>
+              <a:t>2/22/2024</a:t>
             </a:fld>
             <a:endParaRPr lang="en-US"/>
           </a:p>
@@ -763,7 +770,7 @@
           <a:p>
             <a:fld id="{91F57185-A8C6-4624-BFD6-57EEC9B660A1}" type="datetimeFigureOut">
               <a:rPr lang="en-US" smtClean="0"/>
-              <a:t>10/2/2023</a:t>
+              <a:t>2/22/2024</a:t>
             </a:fld>
             <a:endParaRPr lang="en-US"/>
           </a:p>
@@ -1007,7 +1014,7 @@
           <a:p>
             <a:fld id="{91F57185-A8C6-4624-BFD6-57EEC9B660A1}" type="datetimeFigureOut">
               <a:rPr lang="en-US" smtClean="0"/>
-              <a:t>10/2/2023</a:t>
+              <a:t>2/22/2024</a:t>
             </a:fld>
             <a:endParaRPr lang="en-US"/>
           </a:p>
@@ -1239,7 +1246,7 @@
           <a:p>
             <a:fld id="{91F57185-A8C6-4624-BFD6-57EEC9B660A1}" type="datetimeFigureOut">
               <a:rPr lang="en-US" smtClean="0"/>
-              <a:t>10/2/2023</a:t>
+              <a:t>2/22/2024</a:t>
             </a:fld>
             <a:endParaRPr lang="en-US"/>
           </a:p>
@@ -1606,7 +1613,7 @@
           <a:p>
             <a:fld id="{91F57185-A8C6-4624-BFD6-57EEC9B660A1}" type="datetimeFigureOut">
               <a:rPr lang="en-US" smtClean="0"/>
-              <a:t>10/2/2023</a:t>
+              <a:t>2/22/2024</a:t>
             </a:fld>
             <a:endParaRPr lang="en-US"/>
           </a:p>
@@ -1724,7 +1731,7 @@
           <a:p>
             <a:fld id="{91F57185-A8C6-4624-BFD6-57EEC9B660A1}" type="datetimeFigureOut">
               <a:rPr lang="en-US" smtClean="0"/>
-              <a:t>10/2/2023</a:t>
+              <a:t>2/22/2024</a:t>
             </a:fld>
             <a:endParaRPr lang="en-US"/>
           </a:p>
@@ -1819,7 +1826,7 @@
           <a:p>
             <a:fld id="{91F57185-A8C6-4624-BFD6-57EEC9B660A1}" type="datetimeFigureOut">
               <a:rPr lang="en-US" smtClean="0"/>
-              <a:t>10/2/2023</a:t>
+              <a:t>2/22/2024</a:t>
             </a:fld>
             <a:endParaRPr lang="en-US"/>
           </a:p>
@@ -2096,7 +2103,7 @@
           <a:p>
             <a:fld id="{91F57185-A8C6-4624-BFD6-57EEC9B660A1}" type="datetimeFigureOut">
               <a:rPr lang="en-US" smtClean="0"/>
-              <a:t>10/2/2023</a:t>
+              <a:t>2/22/2024</a:t>
             </a:fld>
             <a:endParaRPr lang="en-US"/>
           </a:p>
@@ -2353,7 +2360,7 @@
           <a:p>
             <a:fld id="{91F57185-A8C6-4624-BFD6-57EEC9B660A1}" type="datetimeFigureOut">
               <a:rPr lang="en-US" smtClean="0"/>
-              <a:t>10/2/2023</a:t>
+              <a:t>2/22/2024</a:t>
             </a:fld>
             <a:endParaRPr lang="en-US"/>
           </a:p>
@@ -2566,7 +2573,7 @@
           <a:p>
             <a:fld id="{91F57185-A8C6-4624-BFD6-57EEC9B660A1}" type="datetimeFigureOut">
               <a:rPr lang="en-US" smtClean="0"/>
-              <a:t>10/2/2023</a:t>
+              <a:t>2/22/2024</a:t>
             </a:fld>
             <a:endParaRPr lang="en-US"/>
           </a:p>
@@ -4547,6 +4554,1583 @@
 </p:sld>
 </file>
 
+<file path=ppt/slides/slide2.xml><?xml version="1.0" encoding="utf-8"?>
+<p:sld xmlns:a="http://schemas.openxmlformats.org/drawingml/2006/main" xmlns:r="http://schemas.openxmlformats.org/officeDocument/2006/relationships" xmlns:p="http://schemas.openxmlformats.org/presentationml/2006/main">
+  <p:cSld>
+    <p:spTree>
+      <p:nvGrpSpPr>
+        <p:cNvPr id="1" name=""/>
+        <p:cNvGrpSpPr/>
+        <p:nvPr/>
+      </p:nvGrpSpPr>
+      <p:grpSpPr>
+        <a:xfrm>
+          <a:off x="0" y="0"/>
+          <a:ext cx="0" cy="0"/>
+          <a:chOff x="0" y="0"/>
+          <a:chExt cx="0" cy="0"/>
+        </a:xfrm>
+      </p:grpSpPr>
+      <p:pic>
+        <p:nvPicPr>
+          <p:cNvPr id="8" name="Picture 7" descr="A colorful structure of a protein&#10;&#10;Description automatically generated with medium confidence">
+            <a:extLst>
+              <a:ext uri="{FF2B5EF4-FFF2-40B4-BE49-F238E27FC236}">
+                <a16:creationId xmlns:a16="http://schemas.microsoft.com/office/drawing/2014/main" id="{2EE6CEF2-D09F-59C3-F1EF-AAE77141AAD4}"/>
+              </a:ext>
+            </a:extLst>
+          </p:cNvPr>
+          <p:cNvPicPr>
+            <a:picLocks noChangeAspect="1"/>
+          </p:cNvPicPr>
+          <p:nvPr/>
+        </p:nvPicPr>
+        <p:blipFill rotWithShape="1">
+          <a:blip r:embed="rId2">
+            <a:extLst>
+              <a:ext uri="{28A0092B-C50C-407E-A947-70E740481C1C}">
+                <a14:useLocalDpi xmlns:a14="http://schemas.microsoft.com/office/drawing/2010/main" val="0"/>
+              </a:ext>
+            </a:extLst>
+          </a:blip>
+          <a:srcRect b="20555"/>
+          <a:stretch/>
+        </p:blipFill>
+        <p:spPr>
+          <a:xfrm>
+            <a:off x="1278810" y="6626005"/>
+            <a:ext cx="2288263" cy="1817907"/>
+          </a:xfrm>
+          <a:prstGeom prst="rect">
+            <a:avLst/>
+          </a:prstGeom>
+        </p:spPr>
+      </p:pic>
+      <p:pic>
+        <p:nvPicPr>
+          <p:cNvPr id="10" name="Picture 9" descr="A colorful spirals on a black background&#10;&#10;Description automatically generated">
+            <a:extLst>
+              <a:ext uri="{FF2B5EF4-FFF2-40B4-BE49-F238E27FC236}">
+                <a16:creationId xmlns:a16="http://schemas.microsoft.com/office/drawing/2014/main" id="{CBC4B071-10A8-DDDF-DC13-BD495B835C4F}"/>
+              </a:ext>
+            </a:extLst>
+          </p:cNvPr>
+          <p:cNvPicPr>
+            <a:picLocks noChangeAspect="1"/>
+          </p:cNvPicPr>
+          <p:nvPr/>
+        </p:nvPicPr>
+        <p:blipFill rotWithShape="1">
+          <a:blip r:embed="rId3">
+            <a:extLst>
+              <a:ext uri="{28A0092B-C50C-407E-A947-70E740481C1C}">
+                <a14:useLocalDpi xmlns:a14="http://schemas.microsoft.com/office/drawing/2010/main" val="0"/>
+              </a:ext>
+            </a:extLst>
+          </a:blip>
+          <a:srcRect t="20846" b="8946"/>
+          <a:stretch/>
+        </p:blipFill>
+        <p:spPr>
+          <a:xfrm>
+            <a:off x="1281073" y="1985961"/>
+            <a:ext cx="2286000" cy="1604964"/>
+          </a:xfrm>
+          <a:prstGeom prst="rect">
+            <a:avLst/>
+          </a:prstGeom>
+        </p:spPr>
+      </p:pic>
+      <p:pic>
+        <p:nvPicPr>
+          <p:cNvPr id="12" name="Picture 11" descr="A close-up of a structure&#10;&#10;Description automatically generated">
+            <a:extLst>
+              <a:ext uri="{FF2B5EF4-FFF2-40B4-BE49-F238E27FC236}">
+                <a16:creationId xmlns:a16="http://schemas.microsoft.com/office/drawing/2014/main" id="{3B1A6A6B-492B-B8DE-3AC2-656C3901732D}"/>
+              </a:ext>
+            </a:extLst>
+          </p:cNvPr>
+          <p:cNvPicPr>
+            <a:picLocks noChangeAspect="1"/>
+          </p:cNvPicPr>
+          <p:nvPr/>
+        </p:nvPicPr>
+        <p:blipFill rotWithShape="1">
+          <a:blip r:embed="rId4">
+            <a:extLst>
+              <a:ext uri="{28A0092B-C50C-407E-A947-70E740481C1C}">
+                <a14:useLocalDpi xmlns:a14="http://schemas.microsoft.com/office/drawing/2010/main" val="0"/>
+              </a:ext>
+            </a:extLst>
+          </a:blip>
+          <a:srcRect b="22318"/>
+          <a:stretch/>
+        </p:blipFill>
+        <p:spPr>
+          <a:xfrm>
+            <a:off x="1285599" y="3426044"/>
+            <a:ext cx="2286000" cy="1775803"/>
+          </a:xfrm>
+          <a:prstGeom prst="rect">
+            <a:avLst/>
+          </a:prstGeom>
+        </p:spPr>
+      </p:pic>
+      <p:pic>
+        <p:nvPicPr>
+          <p:cNvPr id="14" name="Picture 13" descr="A structure of a protein&#10;&#10;Description automatically generated with medium confidence">
+            <a:extLst>
+              <a:ext uri="{FF2B5EF4-FFF2-40B4-BE49-F238E27FC236}">
+                <a16:creationId xmlns:a16="http://schemas.microsoft.com/office/drawing/2014/main" id="{C5BE49AC-3466-A297-B6E7-47DE3AE8695C}"/>
+              </a:ext>
+            </a:extLst>
+          </p:cNvPr>
+          <p:cNvPicPr>
+            <a:picLocks noChangeAspect="1"/>
+          </p:cNvPicPr>
+          <p:nvPr/>
+        </p:nvPicPr>
+        <p:blipFill rotWithShape="1">
+          <a:blip r:embed="rId5">
+            <a:extLst>
+              <a:ext uri="{28A0092B-C50C-407E-A947-70E740481C1C}">
+                <a14:useLocalDpi xmlns:a14="http://schemas.microsoft.com/office/drawing/2010/main" val="0"/>
+              </a:ext>
+            </a:extLst>
+          </a:blip>
+          <a:srcRect b="15071"/>
+          <a:stretch/>
+        </p:blipFill>
+        <p:spPr>
+          <a:xfrm>
+            <a:off x="1290125" y="8116921"/>
+            <a:ext cx="2286000" cy="1941479"/>
+          </a:xfrm>
+          <a:prstGeom prst="rect">
+            <a:avLst/>
+          </a:prstGeom>
+        </p:spPr>
+      </p:pic>
+      <p:pic>
+        <p:nvPicPr>
+          <p:cNvPr id="16" name="Picture 15" descr="A colorful lines and curves on a black background&#10;&#10;Description automatically generated with medium confidence">
+            <a:extLst>
+              <a:ext uri="{FF2B5EF4-FFF2-40B4-BE49-F238E27FC236}">
+                <a16:creationId xmlns:a16="http://schemas.microsoft.com/office/drawing/2014/main" id="{8673F11E-83CA-8B0E-26E2-AC5D0402D124}"/>
+              </a:ext>
+            </a:extLst>
+          </p:cNvPr>
+          <p:cNvPicPr>
+            <a:picLocks noChangeAspect="1"/>
+          </p:cNvPicPr>
+          <p:nvPr/>
+        </p:nvPicPr>
+        <p:blipFill rotWithShape="1">
+          <a:blip r:embed="rId6">
+            <a:extLst>
+              <a:ext uri="{28A0092B-C50C-407E-A947-70E740481C1C}">
+                <a14:useLocalDpi xmlns:a14="http://schemas.microsoft.com/office/drawing/2010/main" val="0"/>
+              </a:ext>
+            </a:extLst>
+          </a:blip>
+          <a:srcRect t="22318"/>
+          <a:stretch/>
+        </p:blipFill>
+        <p:spPr>
+          <a:xfrm>
+            <a:off x="1290125" y="361949"/>
+            <a:ext cx="2286000" cy="1775803"/>
+          </a:xfrm>
+          <a:prstGeom prst="rect">
+            <a:avLst/>
+          </a:prstGeom>
+        </p:spPr>
+      </p:pic>
+      <p:pic>
+        <p:nvPicPr>
+          <p:cNvPr id="18" name="Picture 17" descr="A colorful structure of a protein&#10;&#10;Description automatically generated with medium confidence">
+            <a:extLst>
+              <a:ext uri="{FF2B5EF4-FFF2-40B4-BE49-F238E27FC236}">
+                <a16:creationId xmlns:a16="http://schemas.microsoft.com/office/drawing/2014/main" id="{F32AF99B-0441-4271-9FBF-E8418C41F504}"/>
+              </a:ext>
+            </a:extLst>
+          </p:cNvPr>
+          <p:cNvPicPr>
+            <a:picLocks noChangeAspect="1"/>
+          </p:cNvPicPr>
+          <p:nvPr/>
+        </p:nvPicPr>
+        <p:blipFill rotWithShape="1">
+          <a:blip r:embed="rId7">
+            <a:extLst>
+              <a:ext uri="{28A0092B-C50C-407E-A947-70E740481C1C}">
+                <a14:useLocalDpi xmlns:a14="http://schemas.microsoft.com/office/drawing/2010/main" val="0"/>
+              </a:ext>
+            </a:extLst>
+          </a:blip>
+          <a:srcRect t="18897" b="10894"/>
+          <a:stretch/>
+        </p:blipFill>
+        <p:spPr>
+          <a:xfrm>
+            <a:off x="1290125" y="5214937"/>
+            <a:ext cx="2286000" cy="1604964"/>
+          </a:xfrm>
+          <a:prstGeom prst="rect">
+            <a:avLst/>
+          </a:prstGeom>
+        </p:spPr>
+      </p:pic>
+      <p:pic>
+        <p:nvPicPr>
+          <p:cNvPr id="3" name="Picture 2" descr="A close-up of a structure&#10;&#10;Description automatically generated">
+            <a:extLst>
+              <a:ext uri="{FF2B5EF4-FFF2-40B4-BE49-F238E27FC236}">
+                <a16:creationId xmlns:a16="http://schemas.microsoft.com/office/drawing/2014/main" id="{3EC9AD59-FC7F-59BE-5D91-8A2DE722DD89}"/>
+              </a:ext>
+            </a:extLst>
+          </p:cNvPr>
+          <p:cNvPicPr>
+            <a:picLocks noChangeAspect="1"/>
+          </p:cNvPicPr>
+          <p:nvPr/>
+        </p:nvPicPr>
+        <p:blipFill rotWithShape="1">
+          <a:blip r:embed="rId8">
+            <a:extLst>
+              <a:ext uri="{28A0092B-C50C-407E-A947-70E740481C1C}">
+                <a14:useLocalDpi xmlns:a14="http://schemas.microsoft.com/office/drawing/2010/main" val="0"/>
+              </a:ext>
+            </a:extLst>
+          </a:blip>
+          <a:srcRect t="17317"/>
+          <a:stretch/>
+        </p:blipFill>
+        <p:spPr>
+          <a:xfrm>
+            <a:off x="4863987" y="6834187"/>
+            <a:ext cx="2286000" cy="1890122"/>
+          </a:xfrm>
+          <a:prstGeom prst="rect">
+            <a:avLst/>
+          </a:prstGeom>
+        </p:spPr>
+      </p:pic>
+      <p:pic>
+        <p:nvPicPr>
+          <p:cNvPr id="6" name="Picture 5" descr="A colorful spirals on a black background&#10;&#10;Description automatically generated">
+            <a:extLst>
+              <a:ext uri="{FF2B5EF4-FFF2-40B4-BE49-F238E27FC236}">
+                <a16:creationId xmlns:a16="http://schemas.microsoft.com/office/drawing/2014/main" id="{223248B2-A7D8-B72D-D669-ED7EB23DBA6D}"/>
+              </a:ext>
+            </a:extLst>
+          </p:cNvPr>
+          <p:cNvPicPr>
+            <a:picLocks noChangeAspect="1"/>
+          </p:cNvPicPr>
+          <p:nvPr/>
+        </p:nvPicPr>
+        <p:blipFill rotWithShape="1">
+          <a:blip r:embed="rId9">
+            <a:extLst>
+              <a:ext uri="{28A0092B-C50C-407E-A947-70E740481C1C}">
+                <a14:useLocalDpi xmlns:a14="http://schemas.microsoft.com/office/drawing/2010/main" val="0"/>
+              </a:ext>
+            </a:extLst>
+          </a:blip>
+          <a:srcRect l="13261" t="30443" b="16521"/>
+          <a:stretch/>
+        </p:blipFill>
+        <p:spPr>
+          <a:xfrm>
+            <a:off x="4162424" y="1985961"/>
+            <a:ext cx="2624851" cy="1604964"/>
+          </a:xfrm>
+          <a:prstGeom prst="rect">
+            <a:avLst/>
+          </a:prstGeom>
+        </p:spPr>
+      </p:pic>
+      <p:pic>
+        <p:nvPicPr>
+          <p:cNvPr id="9" name="Picture 8" descr="A structure of a protein&#10;&#10;Description automatically generated with medium confidence">
+            <a:extLst>
+              <a:ext uri="{FF2B5EF4-FFF2-40B4-BE49-F238E27FC236}">
+                <a16:creationId xmlns:a16="http://schemas.microsoft.com/office/drawing/2014/main" id="{3D413C5D-B5DA-BF2E-99B8-29EC66DDC97F}"/>
+              </a:ext>
+            </a:extLst>
+          </p:cNvPr>
+          <p:cNvPicPr>
+            <a:picLocks noChangeAspect="1"/>
+          </p:cNvPicPr>
+          <p:nvPr/>
+        </p:nvPicPr>
+        <p:blipFill rotWithShape="1">
+          <a:blip r:embed="rId10">
+            <a:extLst>
+              <a:ext uri="{28A0092B-C50C-407E-A947-70E740481C1C}">
+                <a14:useLocalDpi xmlns:a14="http://schemas.microsoft.com/office/drawing/2010/main" val="0"/>
+              </a:ext>
+            </a:extLst>
+          </a:blip>
+          <a:srcRect t="27200"/>
+          <a:stretch/>
+        </p:blipFill>
+        <p:spPr>
+          <a:xfrm>
+            <a:off x="4868513" y="3590925"/>
+            <a:ext cx="2286000" cy="1664224"/>
+          </a:xfrm>
+          <a:prstGeom prst="rect">
+            <a:avLst/>
+          </a:prstGeom>
+        </p:spPr>
+      </p:pic>
+      <p:pic>
+        <p:nvPicPr>
+          <p:cNvPr id="13" name="Picture 12" descr="A colorful spirals on a black background&#10;&#10;Description automatically generated">
+            <a:extLst>
+              <a:ext uri="{FF2B5EF4-FFF2-40B4-BE49-F238E27FC236}">
+                <a16:creationId xmlns:a16="http://schemas.microsoft.com/office/drawing/2014/main" id="{7A2AA3C1-8E23-33C0-CA4F-187978C5381C}"/>
+              </a:ext>
+            </a:extLst>
+          </p:cNvPr>
+          <p:cNvPicPr>
+            <a:picLocks noChangeAspect="1"/>
+          </p:cNvPicPr>
+          <p:nvPr/>
+        </p:nvPicPr>
+        <p:blipFill rotWithShape="1">
+          <a:blip r:embed="rId11">
+            <a:extLst>
+              <a:ext uri="{28A0092B-C50C-407E-A947-70E740481C1C}">
+                <a14:useLocalDpi xmlns:a14="http://schemas.microsoft.com/office/drawing/2010/main" val="0"/>
+              </a:ext>
+            </a:extLst>
+          </a:blip>
+          <a:srcRect t="7543" b="21832"/>
+          <a:stretch/>
+        </p:blipFill>
+        <p:spPr>
+          <a:xfrm>
+            <a:off x="4863987" y="8443912"/>
+            <a:ext cx="2286000" cy="1614485"/>
+          </a:xfrm>
+          <a:prstGeom prst="rect">
+            <a:avLst/>
+          </a:prstGeom>
+        </p:spPr>
+      </p:pic>
+      <p:pic>
+        <p:nvPicPr>
+          <p:cNvPr id="17" name="Picture 16" descr="A structure of a protein&#10;&#10;Description automatically generated with medium confidence">
+            <a:extLst>
+              <a:ext uri="{FF2B5EF4-FFF2-40B4-BE49-F238E27FC236}">
+                <a16:creationId xmlns:a16="http://schemas.microsoft.com/office/drawing/2014/main" id="{10C9A3FB-FB11-7418-1E1E-9CBF4F531763}"/>
+              </a:ext>
+            </a:extLst>
+          </p:cNvPr>
+          <p:cNvPicPr>
+            <a:picLocks noChangeAspect="1"/>
+          </p:cNvPicPr>
+          <p:nvPr/>
+        </p:nvPicPr>
+        <p:blipFill rotWithShape="1">
+          <a:blip r:embed="rId12">
+            <a:extLst>
+              <a:ext uri="{28A0092B-C50C-407E-A947-70E740481C1C}">
+                <a14:useLocalDpi xmlns:a14="http://schemas.microsoft.com/office/drawing/2010/main" val="0"/>
+              </a:ext>
+            </a:extLst>
+          </a:blip>
+          <a:srcRect t="17537" b="12254"/>
+          <a:stretch/>
+        </p:blipFill>
+        <p:spPr>
+          <a:xfrm>
+            <a:off x="4863987" y="361949"/>
+            <a:ext cx="2286000" cy="1604964"/>
+          </a:xfrm>
+          <a:prstGeom prst="rect">
+            <a:avLst/>
+          </a:prstGeom>
+        </p:spPr>
+      </p:pic>
+      <p:pic>
+        <p:nvPicPr>
+          <p:cNvPr id="20" name="Picture 19" descr="A colorful ribbons on a black background&#10;&#10;Description automatically generated">
+            <a:extLst>
+              <a:ext uri="{FF2B5EF4-FFF2-40B4-BE49-F238E27FC236}">
+                <a16:creationId xmlns:a16="http://schemas.microsoft.com/office/drawing/2014/main" id="{23F5C730-6E5D-75EB-B74B-F7B849A2F7CC}"/>
+              </a:ext>
+            </a:extLst>
+          </p:cNvPr>
+          <p:cNvPicPr>
+            <a:picLocks noChangeAspect="1"/>
+          </p:cNvPicPr>
+          <p:nvPr/>
+        </p:nvPicPr>
+        <p:blipFill rotWithShape="1">
+          <a:blip r:embed="rId13">
+            <a:extLst>
+              <a:ext uri="{28A0092B-C50C-407E-A947-70E740481C1C}">
+                <a14:useLocalDpi xmlns:a14="http://schemas.microsoft.com/office/drawing/2010/main" val="0"/>
+              </a:ext>
+            </a:extLst>
+          </a:blip>
+          <a:srcRect t="17434" b="24939"/>
+          <a:stretch/>
+        </p:blipFill>
+        <p:spPr>
+          <a:xfrm>
+            <a:off x="4863987" y="5214937"/>
+            <a:ext cx="2785069" cy="1604964"/>
+          </a:xfrm>
+          <a:prstGeom prst="rect">
+            <a:avLst/>
+          </a:prstGeom>
+        </p:spPr>
+      </p:pic>
+      <p:graphicFrame>
+        <p:nvGraphicFramePr>
+          <p:cNvPr id="4" name="Table 4">
+            <a:extLst>
+              <a:ext uri="{FF2B5EF4-FFF2-40B4-BE49-F238E27FC236}">
+                <a16:creationId xmlns:a16="http://schemas.microsoft.com/office/drawing/2014/main" id="{1FD887A6-6C20-9EEC-F88D-0EB31539F20F}"/>
+              </a:ext>
+            </a:extLst>
+          </p:cNvPr>
+          <p:cNvGraphicFramePr>
+            <a:graphicFrameLocks noGrp="1"/>
+          </p:cNvGraphicFramePr>
+          <p:nvPr/>
+        </p:nvGraphicFramePr>
+        <p:xfrm>
+          <a:off x="0" y="0"/>
+          <a:ext cx="7772400" cy="10058398"/>
+        </p:xfrm>
+        <a:graphic>
+          <a:graphicData uri="http://schemas.openxmlformats.org/drawingml/2006/table">
+            <a:tbl>
+              <a:tblPr firstRow="1" bandRow="1">
+                <a:tableStyleId>{7E9639D4-E3E2-4D34-9284-5A2195B3D0D7}</a:tableStyleId>
+              </a:tblPr>
+              <a:tblGrid>
+                <a:gridCol w="497941">
+                  <a:extLst>
+                    <a:ext uri="{9D8B030D-6E8A-4147-A177-3AD203B41FA5}">
+                      <a16:colId xmlns:a16="http://schemas.microsoft.com/office/drawing/2014/main" val="2794042107"/>
+                    </a:ext>
+                  </a:extLst>
+                </a:gridCol>
+                <a:gridCol w="3657600">
+                  <a:extLst>
+                    <a:ext uri="{9D8B030D-6E8A-4147-A177-3AD203B41FA5}">
+                      <a16:colId xmlns:a16="http://schemas.microsoft.com/office/drawing/2014/main" val="3637799503"/>
+                    </a:ext>
+                  </a:extLst>
+                </a:gridCol>
+                <a:gridCol w="3616859">
+                  <a:extLst>
+                    <a:ext uri="{9D8B030D-6E8A-4147-A177-3AD203B41FA5}">
+                      <a16:colId xmlns:a16="http://schemas.microsoft.com/office/drawing/2014/main" val="4059330406"/>
+                    </a:ext>
+                  </a:extLst>
+                </a:gridCol>
+              </a:tblGrid>
+              <a:tr h="360154">
+                <a:tc>
+                  <a:txBody>
+                    <a:bodyPr/>
+                    <a:lstStyle/>
+                    <a:p>
+                      <a:pPr algn="ctr"/>
+                      <a:endParaRPr lang="en-US" dirty="0">
+                        <a:latin typeface="Arial" panose="020B0604020202020204" pitchFamily="34" charset="0"/>
+                        <a:cs typeface="Arial" panose="020B0604020202020204" pitchFamily="34" charset="0"/>
+                      </a:endParaRPr>
+                    </a:p>
+                  </a:txBody>
+                  <a:tcPr anchor="ctr">
+                    <a:lnL w="12700" cap="flat" cmpd="sng" algn="ctr">
+                      <a:solidFill>
+                        <a:schemeClr val="tx1"/>
+                      </a:solidFill>
+                      <a:prstDash val="solid"/>
+                      <a:round/>
+                      <a:headEnd type="none" w="med" len="med"/>
+                      <a:tailEnd type="none" w="med" len="med"/>
+                    </a:lnL>
+                    <a:lnT w="12700" cap="flat" cmpd="sng" algn="ctr">
+                      <a:solidFill>
+                        <a:schemeClr val="tx1"/>
+                      </a:solidFill>
+                      <a:prstDash val="solid"/>
+                      <a:round/>
+                      <a:headEnd type="none" w="med" len="med"/>
+                      <a:tailEnd type="none" w="med" len="med"/>
+                    </a:lnT>
+                  </a:tcPr>
+                </a:tc>
+                <a:tc>
+                  <a:txBody>
+                    <a:bodyPr/>
+                    <a:lstStyle/>
+                    <a:p>
+                      <a:pPr algn="ctr"/>
+                      <a:r>
+                        <a:rPr lang="en-US" dirty="0">
+                          <a:latin typeface="Arial" panose="020B0604020202020204" pitchFamily="34" charset="0"/>
+                          <a:cs typeface="Arial" panose="020B0604020202020204" pitchFamily="34" charset="0"/>
+                        </a:rPr>
+                        <a:t>HADDOCK</a:t>
+                      </a:r>
+                    </a:p>
+                  </a:txBody>
+                  <a:tcPr anchor="ctr">
+                    <a:lnT w="12700" cap="flat" cmpd="sng" algn="ctr">
+                      <a:solidFill>
+                        <a:schemeClr val="tx1"/>
+                      </a:solidFill>
+                      <a:prstDash val="solid"/>
+                      <a:round/>
+                      <a:headEnd type="none" w="med" len="med"/>
+                      <a:tailEnd type="none" w="med" len="med"/>
+                    </a:lnT>
+                  </a:tcPr>
+                </a:tc>
+                <a:tc>
+                  <a:txBody>
+                    <a:bodyPr/>
+                    <a:lstStyle/>
+                    <a:p>
+                      <a:pPr algn="ctr"/>
+                      <a:r>
+                        <a:rPr lang="en-US" dirty="0">
+                          <a:latin typeface="Arial" panose="020B0604020202020204" pitchFamily="34" charset="0"/>
+                          <a:cs typeface="Arial" panose="020B0604020202020204" pitchFamily="34" charset="0"/>
+                        </a:rPr>
+                        <a:t>AlphaFold2</a:t>
+                      </a:r>
+                    </a:p>
+                  </a:txBody>
+                  <a:tcPr anchor="ctr">
+                    <a:lnR w="12700" cap="flat" cmpd="sng" algn="ctr">
+                      <a:solidFill>
+                        <a:schemeClr val="tx1"/>
+                      </a:solidFill>
+                      <a:prstDash val="solid"/>
+                      <a:round/>
+                      <a:headEnd type="none" w="med" len="med"/>
+                      <a:tailEnd type="none" w="med" len="med"/>
+                    </a:lnR>
+                    <a:lnT w="12700" cap="flat" cmpd="sng" algn="ctr">
+                      <a:solidFill>
+                        <a:schemeClr val="tx1"/>
+                      </a:solidFill>
+                      <a:prstDash val="solid"/>
+                      <a:round/>
+                      <a:headEnd type="none" w="med" len="med"/>
+                      <a:tailEnd type="none" w="med" len="med"/>
+                    </a:lnT>
+                  </a:tcPr>
+                </a:tc>
+                <a:extLst>
+                  <a:ext uri="{0D108BD9-81ED-4DB2-BD59-A6C34878D82A}">
+                    <a16:rowId xmlns:a16="http://schemas.microsoft.com/office/drawing/2014/main" val="3826872164"/>
+                  </a:ext>
+                </a:extLst>
+              </a:tr>
+              <a:tr h="1616374">
+                <a:tc>
+                  <a:txBody>
+                    <a:bodyPr/>
+                    <a:lstStyle/>
+                    <a:p>
+                      <a:pPr algn="ctr"/>
+                      <a:r>
+                        <a:rPr lang="en-US" sz="1400" dirty="0">
+                          <a:latin typeface="Arial" panose="020B0604020202020204" pitchFamily="34" charset="0"/>
+                          <a:cs typeface="Arial" panose="020B0604020202020204" pitchFamily="34" charset="0"/>
+                        </a:rPr>
+                        <a:t>SARS-CoV-2 WA1</a:t>
+                      </a:r>
+                    </a:p>
+                  </a:txBody>
+                  <a:tcPr vert="vert270" anchor="ctr">
+                    <a:lnL w="12700" cap="flat" cmpd="sng" algn="ctr">
+                      <a:solidFill>
+                        <a:schemeClr val="tx1"/>
+                      </a:solidFill>
+                      <a:prstDash val="solid"/>
+                      <a:round/>
+                      <a:headEnd type="none" w="med" len="med"/>
+                      <a:tailEnd type="none" w="med" len="med"/>
+                    </a:lnL>
+                    <a:lnR w="12700" cap="flat" cmpd="sng" algn="ctr">
+                      <a:solidFill>
+                        <a:schemeClr val="tx1"/>
+                      </a:solidFill>
+                      <a:prstDash val="solid"/>
+                      <a:round/>
+                      <a:headEnd type="none" w="med" len="med"/>
+                      <a:tailEnd type="none" w="med" len="med"/>
+                    </a:lnR>
+                    <a:lnB w="12700" cap="flat" cmpd="sng" algn="ctr">
+                      <a:solidFill>
+                        <a:schemeClr val="tx1"/>
+                      </a:solidFill>
+                      <a:prstDash val="solid"/>
+                      <a:round/>
+                      <a:headEnd type="none" w="med" len="med"/>
+                      <a:tailEnd type="none" w="med" len="med"/>
+                    </a:lnB>
+                  </a:tcPr>
+                </a:tc>
+                <a:tc>
+                  <a:txBody>
+                    <a:bodyPr/>
+                    <a:lstStyle/>
+                    <a:p>
+                      <a:pPr algn="ctr"/>
+                      <a:endParaRPr lang="en-US" dirty="0">
+                        <a:latin typeface="Arial" panose="020B0604020202020204" pitchFamily="34" charset="0"/>
+                        <a:cs typeface="Arial" panose="020B0604020202020204" pitchFamily="34" charset="0"/>
+                      </a:endParaRPr>
+                    </a:p>
+                  </a:txBody>
+                  <a:tcPr anchor="ctr">
+                    <a:lnL w="12700" cap="flat" cmpd="sng" algn="ctr">
+                      <a:solidFill>
+                        <a:schemeClr val="tx1"/>
+                      </a:solidFill>
+                      <a:prstDash val="solid"/>
+                      <a:round/>
+                      <a:headEnd type="none" w="med" len="med"/>
+                      <a:tailEnd type="none" w="med" len="med"/>
+                    </a:lnL>
+                    <a:lnR w="12700" cap="flat" cmpd="sng" algn="ctr">
+                      <a:solidFill>
+                        <a:schemeClr val="tx1"/>
+                      </a:solidFill>
+                      <a:prstDash val="solid"/>
+                      <a:round/>
+                      <a:headEnd type="none" w="med" len="med"/>
+                      <a:tailEnd type="none" w="med" len="med"/>
+                    </a:lnR>
+                    <a:lnB w="12700" cap="flat" cmpd="sng" algn="ctr">
+                      <a:solidFill>
+                        <a:schemeClr val="tx1"/>
+                      </a:solidFill>
+                      <a:prstDash val="solid"/>
+                      <a:round/>
+                      <a:headEnd type="none" w="med" len="med"/>
+                      <a:tailEnd type="none" w="med" len="med"/>
+                    </a:lnB>
+                  </a:tcPr>
+                </a:tc>
+                <a:tc>
+                  <a:txBody>
+                    <a:bodyPr/>
+                    <a:lstStyle/>
+                    <a:p>
+                      <a:pPr algn="ctr"/>
+                      <a:endParaRPr lang="en-US" dirty="0">
+                        <a:latin typeface="Arial" panose="020B0604020202020204" pitchFamily="34" charset="0"/>
+                        <a:cs typeface="Arial" panose="020B0604020202020204" pitchFamily="34" charset="0"/>
+                      </a:endParaRPr>
+                    </a:p>
+                  </a:txBody>
+                  <a:tcPr anchor="ctr">
+                    <a:lnL w="12700" cap="flat" cmpd="sng" algn="ctr">
+                      <a:solidFill>
+                        <a:schemeClr val="tx1"/>
+                      </a:solidFill>
+                      <a:prstDash val="solid"/>
+                      <a:round/>
+                      <a:headEnd type="none" w="med" len="med"/>
+                      <a:tailEnd type="none" w="med" len="med"/>
+                    </a:lnL>
+                    <a:lnR w="12700" cap="flat" cmpd="sng" algn="ctr">
+                      <a:solidFill>
+                        <a:schemeClr val="tx1"/>
+                      </a:solidFill>
+                      <a:prstDash val="solid"/>
+                      <a:round/>
+                      <a:headEnd type="none" w="med" len="med"/>
+                      <a:tailEnd type="none" w="med" len="med"/>
+                    </a:lnR>
+                    <a:lnB w="12700" cap="flat" cmpd="sng" algn="ctr">
+                      <a:solidFill>
+                        <a:schemeClr val="tx1"/>
+                      </a:solidFill>
+                      <a:prstDash val="solid"/>
+                      <a:round/>
+                      <a:headEnd type="none" w="med" len="med"/>
+                      <a:tailEnd type="none" w="med" len="med"/>
+                    </a:lnB>
+                  </a:tcPr>
+                </a:tc>
+                <a:extLst>
+                  <a:ext uri="{0D108BD9-81ED-4DB2-BD59-A6C34878D82A}">
+                    <a16:rowId xmlns:a16="http://schemas.microsoft.com/office/drawing/2014/main" val="180354715"/>
+                  </a:ext>
+                </a:extLst>
+              </a:tr>
+              <a:tr h="1616374">
+                <a:tc>
+                  <a:txBody>
+                    <a:bodyPr/>
+                    <a:lstStyle/>
+                    <a:p>
+                      <a:pPr algn="ctr"/>
+                      <a:r>
+                        <a:rPr lang="en-US" sz="1400" dirty="0">
+                          <a:latin typeface="Arial" panose="020B0604020202020204" pitchFamily="34" charset="0"/>
+                          <a:cs typeface="Arial" panose="020B0604020202020204" pitchFamily="34" charset="0"/>
+                        </a:rPr>
+                        <a:t>MERS-</a:t>
+                      </a:r>
+                      <a:r>
+                        <a:rPr lang="en-US" sz="1400" dirty="0" err="1">
+                          <a:latin typeface="Arial" panose="020B0604020202020204" pitchFamily="34" charset="0"/>
+                          <a:cs typeface="Arial" panose="020B0604020202020204" pitchFamily="34" charset="0"/>
+                        </a:rPr>
+                        <a:t>CoV</a:t>
+                      </a:r>
+                      <a:endParaRPr lang="en-US" sz="1400" dirty="0">
+                        <a:latin typeface="Arial" panose="020B0604020202020204" pitchFamily="34" charset="0"/>
+                        <a:cs typeface="Arial" panose="020B0604020202020204" pitchFamily="34" charset="0"/>
+                      </a:endParaRPr>
+                    </a:p>
+                  </a:txBody>
+                  <a:tcPr vert="vert270" anchor="ctr">
+                    <a:lnL w="12700" cap="flat" cmpd="sng" algn="ctr">
+                      <a:solidFill>
+                        <a:schemeClr val="tx1"/>
+                      </a:solidFill>
+                      <a:prstDash val="solid"/>
+                      <a:round/>
+                      <a:headEnd type="none" w="med" len="med"/>
+                      <a:tailEnd type="none" w="med" len="med"/>
+                    </a:lnL>
+                    <a:lnR w="12700" cap="flat" cmpd="sng" algn="ctr">
+                      <a:solidFill>
+                        <a:schemeClr val="tx1"/>
+                      </a:solidFill>
+                      <a:prstDash val="solid"/>
+                      <a:round/>
+                      <a:headEnd type="none" w="med" len="med"/>
+                      <a:tailEnd type="none" w="med" len="med"/>
+                    </a:lnR>
+                    <a:lnT w="12700" cap="flat" cmpd="sng" algn="ctr">
+                      <a:solidFill>
+                        <a:schemeClr val="tx1"/>
+                      </a:solidFill>
+                      <a:prstDash val="solid"/>
+                      <a:round/>
+                      <a:headEnd type="none" w="med" len="med"/>
+                      <a:tailEnd type="none" w="med" len="med"/>
+                    </a:lnT>
+                    <a:lnB w="12700" cap="flat" cmpd="sng" algn="ctr">
+                      <a:solidFill>
+                        <a:schemeClr val="tx1"/>
+                      </a:solidFill>
+                      <a:prstDash val="solid"/>
+                      <a:round/>
+                      <a:headEnd type="none" w="med" len="med"/>
+                      <a:tailEnd type="none" w="med" len="med"/>
+                    </a:lnB>
+                  </a:tcPr>
+                </a:tc>
+                <a:tc>
+                  <a:txBody>
+                    <a:bodyPr/>
+                    <a:lstStyle/>
+                    <a:p>
+                      <a:pPr algn="ctr"/>
+                      <a:endParaRPr lang="en-US" dirty="0">
+                        <a:latin typeface="Arial" panose="020B0604020202020204" pitchFamily="34" charset="0"/>
+                        <a:cs typeface="Arial" panose="020B0604020202020204" pitchFamily="34" charset="0"/>
+                      </a:endParaRPr>
+                    </a:p>
+                  </a:txBody>
+                  <a:tcPr anchor="ctr">
+                    <a:lnL w="12700" cap="flat" cmpd="sng" algn="ctr">
+                      <a:solidFill>
+                        <a:schemeClr val="tx1"/>
+                      </a:solidFill>
+                      <a:prstDash val="solid"/>
+                      <a:round/>
+                      <a:headEnd type="none" w="med" len="med"/>
+                      <a:tailEnd type="none" w="med" len="med"/>
+                    </a:lnL>
+                    <a:lnR w="12700" cap="flat" cmpd="sng" algn="ctr">
+                      <a:solidFill>
+                        <a:schemeClr val="tx1"/>
+                      </a:solidFill>
+                      <a:prstDash val="solid"/>
+                      <a:round/>
+                      <a:headEnd type="none" w="med" len="med"/>
+                      <a:tailEnd type="none" w="med" len="med"/>
+                    </a:lnR>
+                    <a:lnT w="12700" cap="flat" cmpd="sng" algn="ctr">
+                      <a:solidFill>
+                        <a:schemeClr val="tx1"/>
+                      </a:solidFill>
+                      <a:prstDash val="solid"/>
+                      <a:round/>
+                      <a:headEnd type="none" w="med" len="med"/>
+                      <a:tailEnd type="none" w="med" len="med"/>
+                    </a:lnT>
+                    <a:lnB w="12700" cap="flat" cmpd="sng" algn="ctr">
+                      <a:solidFill>
+                        <a:schemeClr val="tx1"/>
+                      </a:solidFill>
+                      <a:prstDash val="solid"/>
+                      <a:round/>
+                      <a:headEnd type="none" w="med" len="med"/>
+                      <a:tailEnd type="none" w="med" len="med"/>
+                    </a:lnB>
+                  </a:tcPr>
+                </a:tc>
+                <a:tc>
+                  <a:txBody>
+                    <a:bodyPr/>
+                    <a:lstStyle/>
+                    <a:p>
+                      <a:pPr algn="ctr"/>
+                      <a:endParaRPr lang="en-US" dirty="0">
+                        <a:latin typeface="Arial" panose="020B0604020202020204" pitchFamily="34" charset="0"/>
+                        <a:cs typeface="Arial" panose="020B0604020202020204" pitchFamily="34" charset="0"/>
+                      </a:endParaRPr>
+                    </a:p>
+                  </a:txBody>
+                  <a:tcPr anchor="ctr">
+                    <a:lnL w="12700" cap="flat" cmpd="sng" algn="ctr">
+                      <a:solidFill>
+                        <a:schemeClr val="tx1"/>
+                      </a:solidFill>
+                      <a:prstDash val="solid"/>
+                      <a:round/>
+                      <a:headEnd type="none" w="med" len="med"/>
+                      <a:tailEnd type="none" w="med" len="med"/>
+                    </a:lnL>
+                    <a:lnR w="12700" cap="flat" cmpd="sng" algn="ctr">
+                      <a:solidFill>
+                        <a:schemeClr val="tx1"/>
+                      </a:solidFill>
+                      <a:prstDash val="solid"/>
+                      <a:round/>
+                      <a:headEnd type="none" w="med" len="med"/>
+                      <a:tailEnd type="none" w="med" len="med"/>
+                    </a:lnR>
+                    <a:lnT w="12700" cap="flat" cmpd="sng" algn="ctr">
+                      <a:solidFill>
+                        <a:schemeClr val="tx1"/>
+                      </a:solidFill>
+                      <a:prstDash val="solid"/>
+                      <a:round/>
+                      <a:headEnd type="none" w="med" len="med"/>
+                      <a:tailEnd type="none" w="med" len="med"/>
+                    </a:lnT>
+                    <a:lnB w="12700" cap="flat" cmpd="sng" algn="ctr">
+                      <a:solidFill>
+                        <a:schemeClr val="tx1"/>
+                      </a:solidFill>
+                      <a:prstDash val="solid"/>
+                      <a:round/>
+                      <a:headEnd type="none" w="med" len="med"/>
+                      <a:tailEnd type="none" w="med" len="med"/>
+                    </a:lnB>
+                  </a:tcPr>
+                </a:tc>
+                <a:extLst>
+                  <a:ext uri="{0D108BD9-81ED-4DB2-BD59-A6C34878D82A}">
+                    <a16:rowId xmlns:a16="http://schemas.microsoft.com/office/drawing/2014/main" val="1942441124"/>
+                  </a:ext>
+                </a:extLst>
+              </a:tr>
+              <a:tr h="1616374">
+                <a:tc>
+                  <a:txBody>
+                    <a:bodyPr/>
+                    <a:lstStyle/>
+                    <a:p>
+                      <a:pPr algn="ctr"/>
+                      <a:r>
+                        <a:rPr lang="en-US" sz="1400" dirty="0">
+                          <a:latin typeface="Arial" panose="020B0604020202020204" pitchFamily="34" charset="0"/>
+                          <a:cs typeface="Arial" panose="020B0604020202020204" pitchFamily="34" charset="0"/>
+                        </a:rPr>
+                        <a:t>OC43</a:t>
+                      </a:r>
+                    </a:p>
+                  </a:txBody>
+                  <a:tcPr vert="vert270" anchor="ctr">
+                    <a:lnL w="12700" cap="flat" cmpd="sng" algn="ctr">
+                      <a:solidFill>
+                        <a:schemeClr val="tx1"/>
+                      </a:solidFill>
+                      <a:prstDash val="solid"/>
+                      <a:round/>
+                      <a:headEnd type="none" w="med" len="med"/>
+                      <a:tailEnd type="none" w="med" len="med"/>
+                    </a:lnL>
+                    <a:lnR w="12700" cap="flat" cmpd="sng" algn="ctr">
+                      <a:solidFill>
+                        <a:schemeClr val="tx1"/>
+                      </a:solidFill>
+                      <a:prstDash val="solid"/>
+                      <a:round/>
+                      <a:headEnd type="none" w="med" len="med"/>
+                      <a:tailEnd type="none" w="med" len="med"/>
+                    </a:lnR>
+                    <a:lnT w="12700" cap="flat" cmpd="sng" algn="ctr">
+                      <a:solidFill>
+                        <a:schemeClr val="tx1"/>
+                      </a:solidFill>
+                      <a:prstDash val="solid"/>
+                      <a:round/>
+                      <a:headEnd type="none" w="med" len="med"/>
+                      <a:tailEnd type="none" w="med" len="med"/>
+                    </a:lnT>
+                    <a:lnB w="12700" cap="flat" cmpd="sng" algn="ctr">
+                      <a:solidFill>
+                        <a:schemeClr val="tx1"/>
+                      </a:solidFill>
+                      <a:prstDash val="solid"/>
+                      <a:round/>
+                      <a:headEnd type="none" w="med" len="med"/>
+                      <a:tailEnd type="none" w="med" len="med"/>
+                    </a:lnB>
+                  </a:tcPr>
+                </a:tc>
+                <a:tc>
+                  <a:txBody>
+                    <a:bodyPr/>
+                    <a:lstStyle/>
+                    <a:p>
+                      <a:pPr algn="ctr"/>
+                      <a:endParaRPr lang="en-US" dirty="0">
+                        <a:latin typeface="Arial" panose="020B0604020202020204" pitchFamily="34" charset="0"/>
+                        <a:cs typeface="Arial" panose="020B0604020202020204" pitchFamily="34" charset="0"/>
+                      </a:endParaRPr>
+                    </a:p>
+                  </a:txBody>
+                  <a:tcPr anchor="ctr">
+                    <a:lnL w="12700" cap="flat" cmpd="sng" algn="ctr">
+                      <a:solidFill>
+                        <a:schemeClr val="tx1"/>
+                      </a:solidFill>
+                      <a:prstDash val="solid"/>
+                      <a:round/>
+                      <a:headEnd type="none" w="med" len="med"/>
+                      <a:tailEnd type="none" w="med" len="med"/>
+                    </a:lnL>
+                    <a:lnR w="12700" cap="flat" cmpd="sng" algn="ctr">
+                      <a:solidFill>
+                        <a:schemeClr val="tx1"/>
+                      </a:solidFill>
+                      <a:prstDash val="solid"/>
+                      <a:round/>
+                      <a:headEnd type="none" w="med" len="med"/>
+                      <a:tailEnd type="none" w="med" len="med"/>
+                    </a:lnR>
+                    <a:lnT w="12700" cap="flat" cmpd="sng" algn="ctr">
+                      <a:solidFill>
+                        <a:schemeClr val="tx1"/>
+                      </a:solidFill>
+                      <a:prstDash val="solid"/>
+                      <a:round/>
+                      <a:headEnd type="none" w="med" len="med"/>
+                      <a:tailEnd type="none" w="med" len="med"/>
+                    </a:lnT>
+                    <a:lnB w="12700" cap="flat" cmpd="sng" algn="ctr">
+                      <a:solidFill>
+                        <a:schemeClr val="tx1"/>
+                      </a:solidFill>
+                      <a:prstDash val="solid"/>
+                      <a:round/>
+                      <a:headEnd type="none" w="med" len="med"/>
+                      <a:tailEnd type="none" w="med" len="med"/>
+                    </a:lnB>
+                  </a:tcPr>
+                </a:tc>
+                <a:tc>
+                  <a:txBody>
+                    <a:bodyPr/>
+                    <a:lstStyle/>
+                    <a:p>
+                      <a:pPr algn="ctr"/>
+                      <a:endParaRPr lang="en-US" dirty="0">
+                        <a:latin typeface="Arial" panose="020B0604020202020204" pitchFamily="34" charset="0"/>
+                        <a:cs typeface="Arial" panose="020B0604020202020204" pitchFamily="34" charset="0"/>
+                      </a:endParaRPr>
+                    </a:p>
+                  </a:txBody>
+                  <a:tcPr anchor="ctr">
+                    <a:lnL w="12700" cap="flat" cmpd="sng" algn="ctr">
+                      <a:solidFill>
+                        <a:schemeClr val="tx1"/>
+                      </a:solidFill>
+                      <a:prstDash val="solid"/>
+                      <a:round/>
+                      <a:headEnd type="none" w="med" len="med"/>
+                      <a:tailEnd type="none" w="med" len="med"/>
+                    </a:lnL>
+                    <a:lnR w="12700" cap="flat" cmpd="sng" algn="ctr">
+                      <a:solidFill>
+                        <a:schemeClr val="tx1"/>
+                      </a:solidFill>
+                      <a:prstDash val="solid"/>
+                      <a:round/>
+                      <a:headEnd type="none" w="med" len="med"/>
+                      <a:tailEnd type="none" w="med" len="med"/>
+                    </a:lnR>
+                    <a:lnT w="12700" cap="flat" cmpd="sng" algn="ctr">
+                      <a:solidFill>
+                        <a:schemeClr val="tx1"/>
+                      </a:solidFill>
+                      <a:prstDash val="solid"/>
+                      <a:round/>
+                      <a:headEnd type="none" w="med" len="med"/>
+                      <a:tailEnd type="none" w="med" len="med"/>
+                    </a:lnT>
+                    <a:lnB w="12700" cap="flat" cmpd="sng" algn="ctr">
+                      <a:solidFill>
+                        <a:schemeClr val="tx1"/>
+                      </a:solidFill>
+                      <a:prstDash val="solid"/>
+                      <a:round/>
+                      <a:headEnd type="none" w="med" len="med"/>
+                      <a:tailEnd type="none" w="med" len="med"/>
+                    </a:lnB>
+                  </a:tcPr>
+                </a:tc>
+                <a:extLst>
+                  <a:ext uri="{0D108BD9-81ED-4DB2-BD59-A6C34878D82A}">
+                    <a16:rowId xmlns:a16="http://schemas.microsoft.com/office/drawing/2014/main" val="4028829800"/>
+                  </a:ext>
+                </a:extLst>
+              </a:tr>
+              <a:tr h="1616374">
+                <a:tc>
+                  <a:txBody>
+                    <a:bodyPr/>
+                    <a:lstStyle/>
+                    <a:p>
+                      <a:pPr algn="ctr"/>
+                      <a:r>
+                        <a:rPr lang="en-US" sz="1400" dirty="0">
+                          <a:latin typeface="Arial" panose="020B0604020202020204" pitchFamily="34" charset="0"/>
+                          <a:cs typeface="Arial" panose="020B0604020202020204" pitchFamily="34" charset="0"/>
+                        </a:rPr>
+                        <a:t>SARS-</a:t>
+                      </a:r>
+                      <a:r>
+                        <a:rPr lang="en-US" sz="1400" dirty="0" err="1">
+                          <a:latin typeface="Arial" panose="020B0604020202020204" pitchFamily="34" charset="0"/>
+                          <a:cs typeface="Arial" panose="020B0604020202020204" pitchFamily="34" charset="0"/>
+                        </a:rPr>
+                        <a:t>CoV</a:t>
+                      </a:r>
+                      <a:endParaRPr lang="en-US" sz="1400" dirty="0">
+                        <a:latin typeface="Arial" panose="020B0604020202020204" pitchFamily="34" charset="0"/>
+                        <a:cs typeface="Arial" panose="020B0604020202020204" pitchFamily="34" charset="0"/>
+                      </a:endParaRPr>
+                    </a:p>
+                  </a:txBody>
+                  <a:tcPr vert="vert270" anchor="ctr">
+                    <a:lnL w="12700" cap="flat" cmpd="sng" algn="ctr">
+                      <a:solidFill>
+                        <a:schemeClr val="tx1"/>
+                      </a:solidFill>
+                      <a:prstDash val="solid"/>
+                      <a:round/>
+                      <a:headEnd type="none" w="med" len="med"/>
+                      <a:tailEnd type="none" w="med" len="med"/>
+                    </a:lnL>
+                    <a:lnR w="12700" cap="flat" cmpd="sng" algn="ctr">
+                      <a:solidFill>
+                        <a:schemeClr val="tx1"/>
+                      </a:solidFill>
+                      <a:prstDash val="solid"/>
+                      <a:round/>
+                      <a:headEnd type="none" w="med" len="med"/>
+                      <a:tailEnd type="none" w="med" len="med"/>
+                    </a:lnR>
+                    <a:lnT w="12700" cap="flat" cmpd="sng" algn="ctr">
+                      <a:solidFill>
+                        <a:schemeClr val="tx1"/>
+                      </a:solidFill>
+                      <a:prstDash val="solid"/>
+                      <a:round/>
+                      <a:headEnd type="none" w="med" len="med"/>
+                      <a:tailEnd type="none" w="med" len="med"/>
+                    </a:lnT>
+                    <a:lnB w="12700" cap="flat" cmpd="sng" algn="ctr">
+                      <a:solidFill>
+                        <a:schemeClr val="tx1"/>
+                      </a:solidFill>
+                      <a:prstDash val="solid"/>
+                      <a:round/>
+                      <a:headEnd type="none" w="med" len="med"/>
+                      <a:tailEnd type="none" w="med" len="med"/>
+                    </a:lnB>
+                  </a:tcPr>
+                </a:tc>
+                <a:tc>
+                  <a:txBody>
+                    <a:bodyPr/>
+                    <a:lstStyle/>
+                    <a:p>
+                      <a:pPr algn="ctr"/>
+                      <a:endParaRPr lang="en-US" dirty="0">
+                        <a:latin typeface="Arial" panose="020B0604020202020204" pitchFamily="34" charset="0"/>
+                        <a:cs typeface="Arial" panose="020B0604020202020204" pitchFamily="34" charset="0"/>
+                      </a:endParaRPr>
+                    </a:p>
+                  </a:txBody>
+                  <a:tcPr anchor="ctr">
+                    <a:lnL w="12700" cap="flat" cmpd="sng" algn="ctr">
+                      <a:solidFill>
+                        <a:schemeClr val="tx1"/>
+                      </a:solidFill>
+                      <a:prstDash val="solid"/>
+                      <a:round/>
+                      <a:headEnd type="none" w="med" len="med"/>
+                      <a:tailEnd type="none" w="med" len="med"/>
+                    </a:lnL>
+                    <a:lnR w="12700" cap="flat" cmpd="sng" algn="ctr">
+                      <a:solidFill>
+                        <a:schemeClr val="tx1"/>
+                      </a:solidFill>
+                      <a:prstDash val="solid"/>
+                      <a:round/>
+                      <a:headEnd type="none" w="med" len="med"/>
+                      <a:tailEnd type="none" w="med" len="med"/>
+                    </a:lnR>
+                    <a:lnT w="12700" cap="flat" cmpd="sng" algn="ctr">
+                      <a:solidFill>
+                        <a:schemeClr val="tx1"/>
+                      </a:solidFill>
+                      <a:prstDash val="solid"/>
+                      <a:round/>
+                      <a:headEnd type="none" w="med" len="med"/>
+                      <a:tailEnd type="none" w="med" len="med"/>
+                    </a:lnT>
+                    <a:lnB w="12700" cap="flat" cmpd="sng" algn="ctr">
+                      <a:solidFill>
+                        <a:schemeClr val="tx1"/>
+                      </a:solidFill>
+                      <a:prstDash val="solid"/>
+                      <a:round/>
+                      <a:headEnd type="none" w="med" len="med"/>
+                      <a:tailEnd type="none" w="med" len="med"/>
+                    </a:lnB>
+                  </a:tcPr>
+                </a:tc>
+                <a:tc>
+                  <a:txBody>
+                    <a:bodyPr/>
+                    <a:lstStyle/>
+                    <a:p>
+                      <a:pPr algn="ctr"/>
+                      <a:endParaRPr lang="en-US" dirty="0">
+                        <a:latin typeface="Arial" panose="020B0604020202020204" pitchFamily="34" charset="0"/>
+                        <a:cs typeface="Arial" panose="020B0604020202020204" pitchFamily="34" charset="0"/>
+                      </a:endParaRPr>
+                    </a:p>
+                  </a:txBody>
+                  <a:tcPr anchor="ctr">
+                    <a:lnL w="12700" cap="flat" cmpd="sng" algn="ctr">
+                      <a:solidFill>
+                        <a:schemeClr val="tx1"/>
+                      </a:solidFill>
+                      <a:prstDash val="solid"/>
+                      <a:round/>
+                      <a:headEnd type="none" w="med" len="med"/>
+                      <a:tailEnd type="none" w="med" len="med"/>
+                    </a:lnL>
+                    <a:lnR w="12700" cap="flat" cmpd="sng" algn="ctr">
+                      <a:solidFill>
+                        <a:schemeClr val="tx1"/>
+                      </a:solidFill>
+                      <a:prstDash val="solid"/>
+                      <a:round/>
+                      <a:headEnd type="none" w="med" len="med"/>
+                      <a:tailEnd type="none" w="med" len="med"/>
+                    </a:lnR>
+                    <a:lnT w="12700" cap="flat" cmpd="sng" algn="ctr">
+                      <a:solidFill>
+                        <a:schemeClr val="tx1"/>
+                      </a:solidFill>
+                      <a:prstDash val="solid"/>
+                      <a:round/>
+                      <a:headEnd type="none" w="med" len="med"/>
+                      <a:tailEnd type="none" w="med" len="med"/>
+                    </a:lnT>
+                    <a:lnB w="12700" cap="flat" cmpd="sng" algn="ctr">
+                      <a:solidFill>
+                        <a:schemeClr val="tx1"/>
+                      </a:solidFill>
+                      <a:prstDash val="solid"/>
+                      <a:round/>
+                      <a:headEnd type="none" w="med" len="med"/>
+                      <a:tailEnd type="none" w="med" len="med"/>
+                    </a:lnB>
+                  </a:tcPr>
+                </a:tc>
+                <a:extLst>
+                  <a:ext uri="{0D108BD9-81ED-4DB2-BD59-A6C34878D82A}">
+                    <a16:rowId xmlns:a16="http://schemas.microsoft.com/office/drawing/2014/main" val="24279878"/>
+                  </a:ext>
+                </a:extLst>
+              </a:tr>
+              <a:tr h="1616374">
+                <a:tc>
+                  <a:txBody>
+                    <a:bodyPr/>
+                    <a:lstStyle/>
+                    <a:p>
+                      <a:pPr algn="ctr"/>
+                      <a:r>
+                        <a:rPr lang="en-US" sz="1400" dirty="0">
+                          <a:latin typeface="Arial" panose="020B0604020202020204" pitchFamily="34" charset="0"/>
+                          <a:cs typeface="Arial" panose="020B0604020202020204" pitchFamily="34" charset="0"/>
+                        </a:rPr>
+                        <a:t>BANAL-20-52</a:t>
+                      </a:r>
+                    </a:p>
+                  </a:txBody>
+                  <a:tcPr vert="vert270" anchor="ctr">
+                    <a:lnL w="12700" cap="flat" cmpd="sng" algn="ctr">
+                      <a:solidFill>
+                        <a:schemeClr val="tx1"/>
+                      </a:solidFill>
+                      <a:prstDash val="solid"/>
+                      <a:round/>
+                      <a:headEnd type="none" w="med" len="med"/>
+                      <a:tailEnd type="none" w="med" len="med"/>
+                    </a:lnL>
+                    <a:lnR w="12700" cap="flat" cmpd="sng" algn="ctr">
+                      <a:solidFill>
+                        <a:schemeClr val="tx1"/>
+                      </a:solidFill>
+                      <a:prstDash val="solid"/>
+                      <a:round/>
+                      <a:headEnd type="none" w="med" len="med"/>
+                      <a:tailEnd type="none" w="med" len="med"/>
+                    </a:lnR>
+                    <a:lnT w="12700" cap="flat" cmpd="sng" algn="ctr">
+                      <a:solidFill>
+                        <a:schemeClr val="tx1"/>
+                      </a:solidFill>
+                      <a:prstDash val="solid"/>
+                      <a:round/>
+                      <a:headEnd type="none" w="med" len="med"/>
+                      <a:tailEnd type="none" w="med" len="med"/>
+                    </a:lnT>
+                    <a:lnB w="12700" cap="flat" cmpd="sng" algn="ctr">
+                      <a:solidFill>
+                        <a:schemeClr val="tx1"/>
+                      </a:solidFill>
+                      <a:prstDash val="solid"/>
+                      <a:round/>
+                      <a:headEnd type="none" w="med" len="med"/>
+                      <a:tailEnd type="none" w="med" len="med"/>
+                    </a:lnB>
+                  </a:tcPr>
+                </a:tc>
+                <a:tc>
+                  <a:txBody>
+                    <a:bodyPr/>
+                    <a:lstStyle/>
+                    <a:p>
+                      <a:pPr algn="ctr"/>
+                      <a:endParaRPr lang="en-US" dirty="0">
+                        <a:latin typeface="Arial" panose="020B0604020202020204" pitchFamily="34" charset="0"/>
+                        <a:cs typeface="Arial" panose="020B0604020202020204" pitchFamily="34" charset="0"/>
+                      </a:endParaRPr>
+                    </a:p>
+                  </a:txBody>
+                  <a:tcPr anchor="ctr">
+                    <a:lnL w="12700" cap="flat" cmpd="sng" algn="ctr">
+                      <a:solidFill>
+                        <a:schemeClr val="tx1"/>
+                      </a:solidFill>
+                      <a:prstDash val="solid"/>
+                      <a:round/>
+                      <a:headEnd type="none" w="med" len="med"/>
+                      <a:tailEnd type="none" w="med" len="med"/>
+                    </a:lnL>
+                    <a:lnR w="12700" cap="flat" cmpd="sng" algn="ctr">
+                      <a:solidFill>
+                        <a:schemeClr val="tx1"/>
+                      </a:solidFill>
+                      <a:prstDash val="solid"/>
+                      <a:round/>
+                      <a:headEnd type="none" w="med" len="med"/>
+                      <a:tailEnd type="none" w="med" len="med"/>
+                    </a:lnR>
+                    <a:lnT w="12700" cap="flat" cmpd="sng" algn="ctr">
+                      <a:solidFill>
+                        <a:schemeClr val="tx1"/>
+                      </a:solidFill>
+                      <a:prstDash val="solid"/>
+                      <a:round/>
+                      <a:headEnd type="none" w="med" len="med"/>
+                      <a:tailEnd type="none" w="med" len="med"/>
+                    </a:lnT>
+                    <a:lnB w="12700" cap="flat" cmpd="sng" algn="ctr">
+                      <a:solidFill>
+                        <a:schemeClr val="tx1"/>
+                      </a:solidFill>
+                      <a:prstDash val="solid"/>
+                      <a:round/>
+                      <a:headEnd type="none" w="med" len="med"/>
+                      <a:tailEnd type="none" w="med" len="med"/>
+                    </a:lnB>
+                  </a:tcPr>
+                </a:tc>
+                <a:tc>
+                  <a:txBody>
+                    <a:bodyPr/>
+                    <a:lstStyle/>
+                    <a:p>
+                      <a:pPr algn="ctr"/>
+                      <a:endParaRPr lang="en-US" dirty="0">
+                        <a:latin typeface="Arial" panose="020B0604020202020204" pitchFamily="34" charset="0"/>
+                        <a:cs typeface="Arial" panose="020B0604020202020204" pitchFamily="34" charset="0"/>
+                      </a:endParaRPr>
+                    </a:p>
+                  </a:txBody>
+                  <a:tcPr anchor="ctr">
+                    <a:lnL w="12700" cap="flat" cmpd="sng" algn="ctr">
+                      <a:solidFill>
+                        <a:schemeClr val="tx1"/>
+                      </a:solidFill>
+                      <a:prstDash val="solid"/>
+                      <a:round/>
+                      <a:headEnd type="none" w="med" len="med"/>
+                      <a:tailEnd type="none" w="med" len="med"/>
+                    </a:lnL>
+                    <a:lnR w="12700" cap="flat" cmpd="sng" algn="ctr">
+                      <a:solidFill>
+                        <a:schemeClr val="tx1"/>
+                      </a:solidFill>
+                      <a:prstDash val="solid"/>
+                      <a:round/>
+                      <a:headEnd type="none" w="med" len="med"/>
+                      <a:tailEnd type="none" w="med" len="med"/>
+                    </a:lnR>
+                    <a:lnT w="12700" cap="flat" cmpd="sng" algn="ctr">
+                      <a:solidFill>
+                        <a:schemeClr val="tx1"/>
+                      </a:solidFill>
+                      <a:prstDash val="solid"/>
+                      <a:round/>
+                      <a:headEnd type="none" w="med" len="med"/>
+                      <a:tailEnd type="none" w="med" len="med"/>
+                    </a:lnT>
+                    <a:lnB w="12700" cap="flat" cmpd="sng" algn="ctr">
+                      <a:solidFill>
+                        <a:schemeClr val="tx1"/>
+                      </a:solidFill>
+                      <a:prstDash val="solid"/>
+                      <a:round/>
+                      <a:headEnd type="none" w="med" len="med"/>
+                      <a:tailEnd type="none" w="med" len="med"/>
+                    </a:lnB>
+                  </a:tcPr>
+                </a:tc>
+                <a:extLst>
+                  <a:ext uri="{0D108BD9-81ED-4DB2-BD59-A6C34878D82A}">
+                    <a16:rowId xmlns:a16="http://schemas.microsoft.com/office/drawing/2014/main" val="1000432302"/>
+                  </a:ext>
+                </a:extLst>
+              </a:tr>
+              <a:tr h="1616374">
+                <a:tc>
+                  <a:txBody>
+                    <a:bodyPr/>
+                    <a:lstStyle/>
+                    <a:p>
+                      <a:pPr algn="ctr"/>
+                      <a:r>
+                        <a:rPr lang="en-US" sz="1400" dirty="0">
+                          <a:latin typeface="Arial" panose="020B0604020202020204" pitchFamily="34" charset="0"/>
+                          <a:cs typeface="Arial" panose="020B0604020202020204" pitchFamily="34" charset="0"/>
+                        </a:rPr>
+                        <a:t>RaTG13</a:t>
+                      </a:r>
+                    </a:p>
+                  </a:txBody>
+                  <a:tcPr vert="vert270" anchor="ctr">
+                    <a:lnL w="12700" cap="flat" cmpd="sng" algn="ctr">
+                      <a:solidFill>
+                        <a:schemeClr val="tx1"/>
+                      </a:solidFill>
+                      <a:prstDash val="solid"/>
+                      <a:round/>
+                      <a:headEnd type="none" w="med" len="med"/>
+                      <a:tailEnd type="none" w="med" len="med"/>
+                    </a:lnL>
+                    <a:lnR w="12700" cap="flat" cmpd="sng" algn="ctr">
+                      <a:solidFill>
+                        <a:schemeClr val="tx1"/>
+                      </a:solidFill>
+                      <a:prstDash val="solid"/>
+                      <a:round/>
+                      <a:headEnd type="none" w="med" len="med"/>
+                      <a:tailEnd type="none" w="med" len="med"/>
+                    </a:lnR>
+                    <a:lnT w="12700" cap="flat" cmpd="sng" algn="ctr">
+                      <a:solidFill>
+                        <a:schemeClr val="tx1"/>
+                      </a:solidFill>
+                      <a:prstDash val="solid"/>
+                      <a:round/>
+                      <a:headEnd type="none" w="med" len="med"/>
+                      <a:tailEnd type="none" w="med" len="med"/>
+                    </a:lnT>
+                    <a:lnB w="12700" cap="flat" cmpd="sng" algn="ctr">
+                      <a:solidFill>
+                        <a:schemeClr val="tx1"/>
+                      </a:solidFill>
+                      <a:prstDash val="solid"/>
+                      <a:round/>
+                      <a:headEnd type="none" w="med" len="med"/>
+                      <a:tailEnd type="none" w="med" len="med"/>
+                    </a:lnB>
+                  </a:tcPr>
+                </a:tc>
+                <a:tc>
+                  <a:txBody>
+                    <a:bodyPr/>
+                    <a:lstStyle/>
+                    <a:p>
+                      <a:pPr algn="ctr"/>
+                      <a:endParaRPr lang="en-US" dirty="0">
+                        <a:latin typeface="Arial" panose="020B0604020202020204" pitchFamily="34" charset="0"/>
+                        <a:cs typeface="Arial" panose="020B0604020202020204" pitchFamily="34" charset="0"/>
+                      </a:endParaRPr>
+                    </a:p>
+                  </a:txBody>
+                  <a:tcPr anchor="ctr">
+                    <a:lnL w="12700" cap="flat" cmpd="sng" algn="ctr">
+                      <a:solidFill>
+                        <a:schemeClr val="tx1"/>
+                      </a:solidFill>
+                      <a:prstDash val="solid"/>
+                      <a:round/>
+                      <a:headEnd type="none" w="med" len="med"/>
+                      <a:tailEnd type="none" w="med" len="med"/>
+                    </a:lnL>
+                    <a:lnR w="12700" cap="flat" cmpd="sng" algn="ctr">
+                      <a:solidFill>
+                        <a:schemeClr val="tx1"/>
+                      </a:solidFill>
+                      <a:prstDash val="solid"/>
+                      <a:round/>
+                      <a:headEnd type="none" w="med" len="med"/>
+                      <a:tailEnd type="none" w="med" len="med"/>
+                    </a:lnR>
+                    <a:lnT w="12700" cap="flat" cmpd="sng" algn="ctr">
+                      <a:solidFill>
+                        <a:schemeClr val="tx1"/>
+                      </a:solidFill>
+                      <a:prstDash val="solid"/>
+                      <a:round/>
+                      <a:headEnd type="none" w="med" len="med"/>
+                      <a:tailEnd type="none" w="med" len="med"/>
+                    </a:lnT>
+                    <a:lnB w="12700" cap="flat" cmpd="sng" algn="ctr">
+                      <a:solidFill>
+                        <a:schemeClr val="tx1"/>
+                      </a:solidFill>
+                      <a:prstDash val="solid"/>
+                      <a:round/>
+                      <a:headEnd type="none" w="med" len="med"/>
+                      <a:tailEnd type="none" w="med" len="med"/>
+                    </a:lnB>
+                  </a:tcPr>
+                </a:tc>
+                <a:tc>
+                  <a:txBody>
+                    <a:bodyPr/>
+                    <a:lstStyle/>
+                    <a:p>
+                      <a:pPr algn="ctr"/>
+                      <a:endParaRPr lang="en-US" dirty="0">
+                        <a:latin typeface="Arial" panose="020B0604020202020204" pitchFamily="34" charset="0"/>
+                        <a:cs typeface="Arial" panose="020B0604020202020204" pitchFamily="34" charset="0"/>
+                      </a:endParaRPr>
+                    </a:p>
+                  </a:txBody>
+                  <a:tcPr anchor="ctr">
+                    <a:lnL w="12700" cap="flat" cmpd="sng" algn="ctr">
+                      <a:solidFill>
+                        <a:schemeClr val="tx1"/>
+                      </a:solidFill>
+                      <a:prstDash val="solid"/>
+                      <a:round/>
+                      <a:headEnd type="none" w="med" len="med"/>
+                      <a:tailEnd type="none" w="med" len="med"/>
+                    </a:lnL>
+                    <a:lnR w="12700" cap="flat" cmpd="sng" algn="ctr">
+                      <a:solidFill>
+                        <a:schemeClr val="tx1"/>
+                      </a:solidFill>
+                      <a:prstDash val="solid"/>
+                      <a:round/>
+                      <a:headEnd type="none" w="med" len="med"/>
+                      <a:tailEnd type="none" w="med" len="med"/>
+                    </a:lnR>
+                    <a:lnT w="12700" cap="flat" cmpd="sng" algn="ctr">
+                      <a:solidFill>
+                        <a:schemeClr val="tx1"/>
+                      </a:solidFill>
+                      <a:prstDash val="solid"/>
+                      <a:round/>
+                      <a:headEnd type="none" w="med" len="med"/>
+                      <a:tailEnd type="none" w="med" len="med"/>
+                    </a:lnT>
+                    <a:lnB w="12700" cap="flat" cmpd="sng" algn="ctr">
+                      <a:solidFill>
+                        <a:schemeClr val="tx1"/>
+                      </a:solidFill>
+                      <a:prstDash val="solid"/>
+                      <a:round/>
+                      <a:headEnd type="none" w="med" len="med"/>
+                      <a:tailEnd type="none" w="med" len="med"/>
+                    </a:lnB>
+                  </a:tcPr>
+                </a:tc>
+                <a:extLst>
+                  <a:ext uri="{0D108BD9-81ED-4DB2-BD59-A6C34878D82A}">
+                    <a16:rowId xmlns:a16="http://schemas.microsoft.com/office/drawing/2014/main" val="1756168416"/>
+                  </a:ext>
+                </a:extLst>
+              </a:tr>
+            </a:tbl>
+          </a:graphicData>
+        </a:graphic>
+      </p:graphicFrame>
+    </p:spTree>
+    <p:extLst>
+      <p:ext uri="{BB962C8B-B14F-4D97-AF65-F5344CB8AC3E}">
+        <p14:creationId xmlns:p14="http://schemas.microsoft.com/office/powerpoint/2010/main" val="2240420587"/>
+      </p:ext>
+    </p:extLst>
+  </p:cSld>
+  <p:clrMapOvr>
+    <a:masterClrMapping/>
+  </p:clrMapOvr>
+</p:sld>
+</file>
+
 <file path=ppt/theme/theme1.xml><?xml version="1.0" encoding="utf-8"?>
 <a:theme xmlns:a="http://schemas.openxmlformats.org/drawingml/2006/main" name="Office Theme">
   <a:themeElements>
